--- a/ppt 16-9/0149.圣灵所结的果子.pptx
+++ b/ppt 16-9/0149.圣灵所结的果子.pptx
@@ -5,7 +5,7 @@
     <p:sldMasterId id="2147483648" r:id="rId1"/>
   </p:sldMasterIdLst>
   <p:sldIdLst>
-    <p:sldId id="2755" r:id="rId2"/>
+    <p:sldId id="2752" r:id="rId2"/>
   </p:sldIdLst>
   <p:sldSz cx="12192000" cy="6858000"/>
   <p:notesSz cx="6858000" cy="9144000"/>
@@ -129,7 +129,7 @@
           <p:cNvPr id="2" name="标题 1">
             <a:extLst>
               <a:ext uri="{FF2B5EF4-FFF2-40B4-BE49-F238E27FC236}">
-                <a16:creationId xmlns:a16="http://schemas.microsoft.com/office/drawing/2014/main" id="{A18BBCCD-37EF-8757-4D37-B7E8B4D5A40D}"/>
+                <a16:creationId xmlns:a16="http://schemas.microsoft.com/office/drawing/2014/main" id="{BE54F7DD-5C01-D3DA-04F3-74E138C9AE4B}"/>
               </a:ext>
             </a:extLst>
           </p:cNvPr>
@@ -166,7 +166,7 @@
           <p:cNvPr id="3" name="副标题 2">
             <a:extLst>
               <a:ext uri="{FF2B5EF4-FFF2-40B4-BE49-F238E27FC236}">
-                <a16:creationId xmlns:a16="http://schemas.microsoft.com/office/drawing/2014/main" id="{2C7F792C-4A78-63E6-121E-FA787F347D6A}"/>
+                <a16:creationId xmlns:a16="http://schemas.microsoft.com/office/drawing/2014/main" id="{14C429FB-98B8-81F0-FC2E-12433AF9E4C4}"/>
               </a:ext>
             </a:extLst>
           </p:cNvPr>
@@ -236,7 +236,7 @@
           <p:cNvPr id="4" name="日期占位符 3">
             <a:extLst>
               <a:ext uri="{FF2B5EF4-FFF2-40B4-BE49-F238E27FC236}">
-                <a16:creationId xmlns:a16="http://schemas.microsoft.com/office/drawing/2014/main" id="{C9BF6DE6-9D81-8B1F-CC6E-29B5C72CD630}"/>
+                <a16:creationId xmlns:a16="http://schemas.microsoft.com/office/drawing/2014/main" id="{4721CD56-BFA1-9CF4-80C5-05794B8E8911}"/>
               </a:ext>
             </a:extLst>
           </p:cNvPr>
@@ -252,7 +252,7 @@
           <a:bodyPr/>
           <a:lstStyle/>
           <a:p>
-            <a:fld id="{0BCC0DB2-C224-4E83-B3F6-B17B35648D61}" type="datetimeFigureOut">
+            <a:fld id="{414D7874-CC96-4302-BB04-5544BC08DB68}" type="datetimeFigureOut">
               <a:rPr lang="zh-CN" altLang="en-US" smtClean="0"/>
               <a:t>2024/3/10</a:t>
             </a:fld>
@@ -265,7 +265,7 @@
           <p:cNvPr id="5" name="页脚占位符 4">
             <a:extLst>
               <a:ext uri="{FF2B5EF4-FFF2-40B4-BE49-F238E27FC236}">
-                <a16:creationId xmlns:a16="http://schemas.microsoft.com/office/drawing/2014/main" id="{2ED70550-7E1A-52EA-52C1-98CA6CB68C28}"/>
+                <a16:creationId xmlns:a16="http://schemas.microsoft.com/office/drawing/2014/main" id="{DF43C442-FE0E-6418-22B8-58DAAC266043}"/>
               </a:ext>
             </a:extLst>
           </p:cNvPr>
@@ -290,7 +290,7 @@
           <p:cNvPr id="6" name="灯片编号占位符 5">
             <a:extLst>
               <a:ext uri="{FF2B5EF4-FFF2-40B4-BE49-F238E27FC236}">
-                <a16:creationId xmlns:a16="http://schemas.microsoft.com/office/drawing/2014/main" id="{2A58DCA1-13D0-42A5-BBF3-038EC410C626}"/>
+                <a16:creationId xmlns:a16="http://schemas.microsoft.com/office/drawing/2014/main" id="{E4D0FCE2-8A0B-E2A0-AD1A-C0AB46D48723}"/>
               </a:ext>
             </a:extLst>
           </p:cNvPr>
@@ -306,7 +306,7 @@
           <a:bodyPr/>
           <a:lstStyle/>
           <a:p>
-            <a:fld id="{FD04C3A4-5521-4FC9-A05D-3B78DEFF25DE}" type="slidenum">
+            <a:fld id="{81A9DC3E-A837-43D0-AB1B-48BEB846B944}" type="slidenum">
               <a:rPr lang="zh-CN" altLang="en-US" smtClean="0"/>
               <a:t>‹#›</a:t>
             </a:fld>
@@ -317,7 +317,7 @@
     </p:spTree>
     <p:extLst>
       <p:ext uri="{BB962C8B-B14F-4D97-AF65-F5344CB8AC3E}">
-        <p14:creationId xmlns:p14="http://schemas.microsoft.com/office/powerpoint/2010/main" val="192755736"/>
+        <p14:creationId xmlns:p14="http://schemas.microsoft.com/office/powerpoint/2010/main" val="351804624"/>
       </p:ext>
     </p:extLst>
   </p:cSld>
@@ -349,7 +349,7 @@
           <p:cNvPr id="2" name="标题 1">
             <a:extLst>
               <a:ext uri="{FF2B5EF4-FFF2-40B4-BE49-F238E27FC236}">
-                <a16:creationId xmlns:a16="http://schemas.microsoft.com/office/drawing/2014/main" id="{DA36E299-937D-A742-6AF9-EDB739732CB2}"/>
+                <a16:creationId xmlns:a16="http://schemas.microsoft.com/office/drawing/2014/main" id="{696CEE28-9879-81C4-9524-A97D3852BEB9}"/>
               </a:ext>
             </a:extLst>
           </p:cNvPr>
@@ -377,7 +377,7 @@
           <p:cNvPr id="3" name="竖排文字占位符 2">
             <a:extLst>
               <a:ext uri="{FF2B5EF4-FFF2-40B4-BE49-F238E27FC236}">
-                <a16:creationId xmlns:a16="http://schemas.microsoft.com/office/drawing/2014/main" id="{502F8C8F-2DBD-D226-FFA1-3545B20D68C1}"/>
+                <a16:creationId xmlns:a16="http://schemas.microsoft.com/office/drawing/2014/main" id="{ED54F409-0E81-A1B5-D0D7-ACFC51CC97EB}"/>
               </a:ext>
             </a:extLst>
           </p:cNvPr>
@@ -434,7 +434,7 @@
           <p:cNvPr id="4" name="日期占位符 3">
             <a:extLst>
               <a:ext uri="{FF2B5EF4-FFF2-40B4-BE49-F238E27FC236}">
-                <a16:creationId xmlns:a16="http://schemas.microsoft.com/office/drawing/2014/main" id="{A1A3D252-AECD-5F1F-1DCB-DFAB081FD4C2}"/>
+                <a16:creationId xmlns:a16="http://schemas.microsoft.com/office/drawing/2014/main" id="{ADDC49E1-85AF-B945-F541-BF89DCDFF30A}"/>
               </a:ext>
             </a:extLst>
           </p:cNvPr>
@@ -450,7 +450,7 @@
           <a:bodyPr/>
           <a:lstStyle/>
           <a:p>
-            <a:fld id="{0BCC0DB2-C224-4E83-B3F6-B17B35648D61}" type="datetimeFigureOut">
+            <a:fld id="{414D7874-CC96-4302-BB04-5544BC08DB68}" type="datetimeFigureOut">
               <a:rPr lang="zh-CN" altLang="en-US" smtClean="0"/>
               <a:t>2024/3/10</a:t>
             </a:fld>
@@ -463,7 +463,7 @@
           <p:cNvPr id="5" name="页脚占位符 4">
             <a:extLst>
               <a:ext uri="{FF2B5EF4-FFF2-40B4-BE49-F238E27FC236}">
-                <a16:creationId xmlns:a16="http://schemas.microsoft.com/office/drawing/2014/main" id="{600D9BC9-4148-3042-7953-20CC44C140E5}"/>
+                <a16:creationId xmlns:a16="http://schemas.microsoft.com/office/drawing/2014/main" id="{936FFA60-90BF-255F-C611-D768E879A933}"/>
               </a:ext>
             </a:extLst>
           </p:cNvPr>
@@ -488,7 +488,7 @@
           <p:cNvPr id="6" name="灯片编号占位符 5">
             <a:extLst>
               <a:ext uri="{FF2B5EF4-FFF2-40B4-BE49-F238E27FC236}">
-                <a16:creationId xmlns:a16="http://schemas.microsoft.com/office/drawing/2014/main" id="{1619AC48-F093-5AAA-F752-F0F4F94EFD6D}"/>
+                <a16:creationId xmlns:a16="http://schemas.microsoft.com/office/drawing/2014/main" id="{3E8026CA-5FBA-4FE6-4692-0E34D71186FE}"/>
               </a:ext>
             </a:extLst>
           </p:cNvPr>
@@ -504,7 +504,7 @@
           <a:bodyPr/>
           <a:lstStyle/>
           <a:p>
-            <a:fld id="{FD04C3A4-5521-4FC9-A05D-3B78DEFF25DE}" type="slidenum">
+            <a:fld id="{81A9DC3E-A837-43D0-AB1B-48BEB846B944}" type="slidenum">
               <a:rPr lang="zh-CN" altLang="en-US" smtClean="0"/>
               <a:t>‹#›</a:t>
             </a:fld>
@@ -515,7 +515,7 @@
     </p:spTree>
     <p:extLst>
       <p:ext uri="{BB962C8B-B14F-4D97-AF65-F5344CB8AC3E}">
-        <p14:creationId xmlns:p14="http://schemas.microsoft.com/office/powerpoint/2010/main" val="1513716803"/>
+        <p14:creationId xmlns:p14="http://schemas.microsoft.com/office/powerpoint/2010/main" val="1215987021"/>
       </p:ext>
     </p:extLst>
   </p:cSld>
@@ -547,7 +547,7 @@
           <p:cNvPr id="2" name="竖排标题 1">
             <a:extLst>
               <a:ext uri="{FF2B5EF4-FFF2-40B4-BE49-F238E27FC236}">
-                <a16:creationId xmlns:a16="http://schemas.microsoft.com/office/drawing/2014/main" id="{E6947E83-0420-8C23-47AC-A556B97831BC}"/>
+                <a16:creationId xmlns:a16="http://schemas.microsoft.com/office/drawing/2014/main" id="{EEE02B7D-F5A0-D5EF-3F2B-D7159570DC51}"/>
               </a:ext>
             </a:extLst>
           </p:cNvPr>
@@ -580,7 +580,7 @@
           <p:cNvPr id="3" name="竖排文字占位符 2">
             <a:extLst>
               <a:ext uri="{FF2B5EF4-FFF2-40B4-BE49-F238E27FC236}">
-                <a16:creationId xmlns:a16="http://schemas.microsoft.com/office/drawing/2014/main" id="{7445168D-212A-4A9B-B614-9E67E1053716}"/>
+                <a16:creationId xmlns:a16="http://schemas.microsoft.com/office/drawing/2014/main" id="{19A3B2CB-E925-8B81-AC08-76CCF1EA1823}"/>
               </a:ext>
             </a:extLst>
           </p:cNvPr>
@@ -642,7 +642,7 @@
           <p:cNvPr id="4" name="日期占位符 3">
             <a:extLst>
               <a:ext uri="{FF2B5EF4-FFF2-40B4-BE49-F238E27FC236}">
-                <a16:creationId xmlns:a16="http://schemas.microsoft.com/office/drawing/2014/main" id="{6246048E-5702-1027-82FD-C59D83F35431}"/>
+                <a16:creationId xmlns:a16="http://schemas.microsoft.com/office/drawing/2014/main" id="{C0E7952A-8752-FA1B-612D-E924E2A45A13}"/>
               </a:ext>
             </a:extLst>
           </p:cNvPr>
@@ -658,7 +658,7 @@
           <a:bodyPr/>
           <a:lstStyle/>
           <a:p>
-            <a:fld id="{0BCC0DB2-C224-4E83-B3F6-B17B35648D61}" type="datetimeFigureOut">
+            <a:fld id="{414D7874-CC96-4302-BB04-5544BC08DB68}" type="datetimeFigureOut">
               <a:rPr lang="zh-CN" altLang="en-US" smtClean="0"/>
               <a:t>2024/3/10</a:t>
             </a:fld>
@@ -671,7 +671,7 @@
           <p:cNvPr id="5" name="页脚占位符 4">
             <a:extLst>
               <a:ext uri="{FF2B5EF4-FFF2-40B4-BE49-F238E27FC236}">
-                <a16:creationId xmlns:a16="http://schemas.microsoft.com/office/drawing/2014/main" id="{4A2C82C2-2FA0-0C73-68F1-40887F8E7D07}"/>
+                <a16:creationId xmlns:a16="http://schemas.microsoft.com/office/drawing/2014/main" id="{DBBCB04E-C250-E2B7-D1EC-DEB7AAEB57EA}"/>
               </a:ext>
             </a:extLst>
           </p:cNvPr>
@@ -696,7 +696,7 @@
           <p:cNvPr id="6" name="灯片编号占位符 5">
             <a:extLst>
               <a:ext uri="{FF2B5EF4-FFF2-40B4-BE49-F238E27FC236}">
-                <a16:creationId xmlns:a16="http://schemas.microsoft.com/office/drawing/2014/main" id="{E8937190-A2F1-349C-FC20-34E27E71DAAF}"/>
+                <a16:creationId xmlns:a16="http://schemas.microsoft.com/office/drawing/2014/main" id="{A77BEEF2-3AFA-36BE-3A30-11DFCD4E273C}"/>
               </a:ext>
             </a:extLst>
           </p:cNvPr>
@@ -712,7 +712,7 @@
           <a:bodyPr/>
           <a:lstStyle/>
           <a:p>
-            <a:fld id="{FD04C3A4-5521-4FC9-A05D-3B78DEFF25DE}" type="slidenum">
+            <a:fld id="{81A9DC3E-A837-43D0-AB1B-48BEB846B944}" type="slidenum">
               <a:rPr lang="zh-CN" altLang="en-US" smtClean="0"/>
               <a:t>‹#›</a:t>
             </a:fld>
@@ -723,7 +723,7 @@
     </p:spTree>
     <p:extLst>
       <p:ext uri="{BB962C8B-B14F-4D97-AF65-F5344CB8AC3E}">
-        <p14:creationId xmlns:p14="http://schemas.microsoft.com/office/powerpoint/2010/main" val="354954242"/>
+        <p14:creationId xmlns:p14="http://schemas.microsoft.com/office/powerpoint/2010/main" val="1966762116"/>
       </p:ext>
     </p:extLst>
   </p:cSld>
@@ -755,7 +755,7 @@
           <p:cNvPr id="2" name="标题 1">
             <a:extLst>
               <a:ext uri="{FF2B5EF4-FFF2-40B4-BE49-F238E27FC236}">
-                <a16:creationId xmlns:a16="http://schemas.microsoft.com/office/drawing/2014/main" id="{A29B0B21-9E45-8770-FB3A-495B687B1E0B}"/>
+                <a16:creationId xmlns:a16="http://schemas.microsoft.com/office/drawing/2014/main" id="{DB78B749-2A51-26C4-4AD1-A2791A088253}"/>
               </a:ext>
             </a:extLst>
           </p:cNvPr>
@@ -783,7 +783,7 @@
           <p:cNvPr id="3" name="内容占位符 2">
             <a:extLst>
               <a:ext uri="{FF2B5EF4-FFF2-40B4-BE49-F238E27FC236}">
-                <a16:creationId xmlns:a16="http://schemas.microsoft.com/office/drawing/2014/main" id="{E9D1DC82-0EBB-2129-2CB9-E392B959891E}"/>
+                <a16:creationId xmlns:a16="http://schemas.microsoft.com/office/drawing/2014/main" id="{B5BD0B56-118C-03F5-36E9-409984D4AE72}"/>
               </a:ext>
             </a:extLst>
           </p:cNvPr>
@@ -840,7 +840,7 @@
           <p:cNvPr id="4" name="日期占位符 3">
             <a:extLst>
               <a:ext uri="{FF2B5EF4-FFF2-40B4-BE49-F238E27FC236}">
-                <a16:creationId xmlns:a16="http://schemas.microsoft.com/office/drawing/2014/main" id="{EE1FF0FC-DEE4-1C9F-C5D9-2C7BF8A81B6D}"/>
+                <a16:creationId xmlns:a16="http://schemas.microsoft.com/office/drawing/2014/main" id="{9DC3D412-B07F-FACF-902B-39EE6A8A603D}"/>
               </a:ext>
             </a:extLst>
           </p:cNvPr>
@@ -856,7 +856,7 @@
           <a:bodyPr/>
           <a:lstStyle/>
           <a:p>
-            <a:fld id="{0BCC0DB2-C224-4E83-B3F6-B17B35648D61}" type="datetimeFigureOut">
+            <a:fld id="{414D7874-CC96-4302-BB04-5544BC08DB68}" type="datetimeFigureOut">
               <a:rPr lang="zh-CN" altLang="en-US" smtClean="0"/>
               <a:t>2024/3/10</a:t>
             </a:fld>
@@ -869,7 +869,7 @@
           <p:cNvPr id="5" name="页脚占位符 4">
             <a:extLst>
               <a:ext uri="{FF2B5EF4-FFF2-40B4-BE49-F238E27FC236}">
-                <a16:creationId xmlns:a16="http://schemas.microsoft.com/office/drawing/2014/main" id="{C51D77E5-4841-0CD4-BDB0-70AA3DF261C6}"/>
+                <a16:creationId xmlns:a16="http://schemas.microsoft.com/office/drawing/2014/main" id="{EBD0CFB7-67FC-2732-1EF6-C55F1CC8B412}"/>
               </a:ext>
             </a:extLst>
           </p:cNvPr>
@@ -894,7 +894,7 @@
           <p:cNvPr id="6" name="灯片编号占位符 5">
             <a:extLst>
               <a:ext uri="{FF2B5EF4-FFF2-40B4-BE49-F238E27FC236}">
-                <a16:creationId xmlns:a16="http://schemas.microsoft.com/office/drawing/2014/main" id="{8DCE97D7-FDD2-0C69-983D-26727688FD16}"/>
+                <a16:creationId xmlns:a16="http://schemas.microsoft.com/office/drawing/2014/main" id="{43704D04-93CE-3C61-C4DF-ABF257F85AC0}"/>
               </a:ext>
             </a:extLst>
           </p:cNvPr>
@@ -910,7 +910,7 @@
           <a:bodyPr/>
           <a:lstStyle/>
           <a:p>
-            <a:fld id="{FD04C3A4-5521-4FC9-A05D-3B78DEFF25DE}" type="slidenum">
+            <a:fld id="{81A9DC3E-A837-43D0-AB1B-48BEB846B944}" type="slidenum">
               <a:rPr lang="zh-CN" altLang="en-US" smtClean="0"/>
               <a:t>‹#›</a:t>
             </a:fld>
@@ -921,7 +921,7 @@
     </p:spTree>
     <p:extLst>
       <p:ext uri="{BB962C8B-B14F-4D97-AF65-F5344CB8AC3E}">
-        <p14:creationId xmlns:p14="http://schemas.microsoft.com/office/powerpoint/2010/main" val="1567639013"/>
+        <p14:creationId xmlns:p14="http://schemas.microsoft.com/office/powerpoint/2010/main" val="233768312"/>
       </p:ext>
     </p:extLst>
   </p:cSld>
@@ -953,7 +953,7 @@
           <p:cNvPr id="2" name="标题 1">
             <a:extLst>
               <a:ext uri="{FF2B5EF4-FFF2-40B4-BE49-F238E27FC236}">
-                <a16:creationId xmlns:a16="http://schemas.microsoft.com/office/drawing/2014/main" id="{02C16C52-982D-5D2E-C43A-53356B4DF8A8}"/>
+                <a16:creationId xmlns:a16="http://schemas.microsoft.com/office/drawing/2014/main" id="{BBA198BA-F177-DDE0-4FFC-7D6F8AD4D85A}"/>
               </a:ext>
             </a:extLst>
           </p:cNvPr>
@@ -990,7 +990,7 @@
           <p:cNvPr id="3" name="文本占位符 2">
             <a:extLst>
               <a:ext uri="{FF2B5EF4-FFF2-40B4-BE49-F238E27FC236}">
-                <a16:creationId xmlns:a16="http://schemas.microsoft.com/office/drawing/2014/main" id="{B98F3D49-62C3-E934-E727-B54CB8FEBF65}"/>
+                <a16:creationId xmlns:a16="http://schemas.microsoft.com/office/drawing/2014/main" id="{D581DED6-E059-85A1-41E6-59C1CCEF491E}"/>
               </a:ext>
             </a:extLst>
           </p:cNvPr>
@@ -1115,7 +1115,7 @@
           <p:cNvPr id="4" name="日期占位符 3">
             <a:extLst>
               <a:ext uri="{FF2B5EF4-FFF2-40B4-BE49-F238E27FC236}">
-                <a16:creationId xmlns:a16="http://schemas.microsoft.com/office/drawing/2014/main" id="{7EBCFF24-301E-3A96-3458-A283C4DD470D}"/>
+                <a16:creationId xmlns:a16="http://schemas.microsoft.com/office/drawing/2014/main" id="{B57AFEC7-8B62-C2AB-3DBE-97B8E466C7BF}"/>
               </a:ext>
             </a:extLst>
           </p:cNvPr>
@@ -1131,7 +1131,7 @@
           <a:bodyPr/>
           <a:lstStyle/>
           <a:p>
-            <a:fld id="{0BCC0DB2-C224-4E83-B3F6-B17B35648D61}" type="datetimeFigureOut">
+            <a:fld id="{414D7874-CC96-4302-BB04-5544BC08DB68}" type="datetimeFigureOut">
               <a:rPr lang="zh-CN" altLang="en-US" smtClean="0"/>
               <a:t>2024/3/10</a:t>
             </a:fld>
@@ -1144,7 +1144,7 @@
           <p:cNvPr id="5" name="页脚占位符 4">
             <a:extLst>
               <a:ext uri="{FF2B5EF4-FFF2-40B4-BE49-F238E27FC236}">
-                <a16:creationId xmlns:a16="http://schemas.microsoft.com/office/drawing/2014/main" id="{2B729B76-3EAE-8B83-22E5-CAE95A9AD257}"/>
+                <a16:creationId xmlns:a16="http://schemas.microsoft.com/office/drawing/2014/main" id="{63757170-8E8D-9BFF-D1CE-D5ED92B134DD}"/>
               </a:ext>
             </a:extLst>
           </p:cNvPr>
@@ -1169,7 +1169,7 @@
           <p:cNvPr id="6" name="灯片编号占位符 5">
             <a:extLst>
               <a:ext uri="{FF2B5EF4-FFF2-40B4-BE49-F238E27FC236}">
-                <a16:creationId xmlns:a16="http://schemas.microsoft.com/office/drawing/2014/main" id="{2BE5C0CB-7C9D-CA89-1853-EEC565D42EB0}"/>
+                <a16:creationId xmlns:a16="http://schemas.microsoft.com/office/drawing/2014/main" id="{CAB3DC01-C0F6-7388-09E7-562818DC0946}"/>
               </a:ext>
             </a:extLst>
           </p:cNvPr>
@@ -1185,7 +1185,7 @@
           <a:bodyPr/>
           <a:lstStyle/>
           <a:p>
-            <a:fld id="{FD04C3A4-5521-4FC9-A05D-3B78DEFF25DE}" type="slidenum">
+            <a:fld id="{81A9DC3E-A837-43D0-AB1B-48BEB846B944}" type="slidenum">
               <a:rPr lang="zh-CN" altLang="en-US" smtClean="0"/>
               <a:t>‹#›</a:t>
             </a:fld>
@@ -1196,7 +1196,7 @@
     </p:spTree>
     <p:extLst>
       <p:ext uri="{BB962C8B-B14F-4D97-AF65-F5344CB8AC3E}">
-        <p14:creationId xmlns:p14="http://schemas.microsoft.com/office/powerpoint/2010/main" val="2278849793"/>
+        <p14:creationId xmlns:p14="http://schemas.microsoft.com/office/powerpoint/2010/main" val="904952247"/>
       </p:ext>
     </p:extLst>
   </p:cSld>
@@ -1228,7 +1228,7 @@
           <p:cNvPr id="2" name="标题 1">
             <a:extLst>
               <a:ext uri="{FF2B5EF4-FFF2-40B4-BE49-F238E27FC236}">
-                <a16:creationId xmlns:a16="http://schemas.microsoft.com/office/drawing/2014/main" id="{3A3E3726-A6D9-ACD8-2115-82C1C7BBBBDD}"/>
+                <a16:creationId xmlns:a16="http://schemas.microsoft.com/office/drawing/2014/main" id="{A5AFF290-28FE-9A19-160C-700EF73799C9}"/>
               </a:ext>
             </a:extLst>
           </p:cNvPr>
@@ -1256,7 +1256,7 @@
           <p:cNvPr id="3" name="内容占位符 2">
             <a:extLst>
               <a:ext uri="{FF2B5EF4-FFF2-40B4-BE49-F238E27FC236}">
-                <a16:creationId xmlns:a16="http://schemas.microsoft.com/office/drawing/2014/main" id="{E7142D39-14B9-D2BC-3550-540962547682}"/>
+                <a16:creationId xmlns:a16="http://schemas.microsoft.com/office/drawing/2014/main" id="{A1313278-C29F-CB5A-8B74-63690C056DF3}"/>
               </a:ext>
             </a:extLst>
           </p:cNvPr>
@@ -1318,7 +1318,7 @@
           <p:cNvPr id="4" name="内容占位符 3">
             <a:extLst>
               <a:ext uri="{FF2B5EF4-FFF2-40B4-BE49-F238E27FC236}">
-                <a16:creationId xmlns:a16="http://schemas.microsoft.com/office/drawing/2014/main" id="{50333813-1C6F-E193-BC83-D9158C4DEF2D}"/>
+                <a16:creationId xmlns:a16="http://schemas.microsoft.com/office/drawing/2014/main" id="{018581B7-1772-D5C6-0354-C1BC99C16C09}"/>
               </a:ext>
             </a:extLst>
           </p:cNvPr>
@@ -1380,7 +1380,7 @@
           <p:cNvPr id="5" name="日期占位符 4">
             <a:extLst>
               <a:ext uri="{FF2B5EF4-FFF2-40B4-BE49-F238E27FC236}">
-                <a16:creationId xmlns:a16="http://schemas.microsoft.com/office/drawing/2014/main" id="{66A2C962-B257-607B-2968-0CA4CA0EB29F}"/>
+                <a16:creationId xmlns:a16="http://schemas.microsoft.com/office/drawing/2014/main" id="{36254B4C-C17A-BA17-BC33-F80DB38E0A17}"/>
               </a:ext>
             </a:extLst>
           </p:cNvPr>
@@ -1396,7 +1396,7 @@
           <a:bodyPr/>
           <a:lstStyle/>
           <a:p>
-            <a:fld id="{0BCC0DB2-C224-4E83-B3F6-B17B35648D61}" type="datetimeFigureOut">
+            <a:fld id="{414D7874-CC96-4302-BB04-5544BC08DB68}" type="datetimeFigureOut">
               <a:rPr lang="zh-CN" altLang="en-US" smtClean="0"/>
               <a:t>2024/3/10</a:t>
             </a:fld>
@@ -1409,7 +1409,7 @@
           <p:cNvPr id="6" name="页脚占位符 5">
             <a:extLst>
               <a:ext uri="{FF2B5EF4-FFF2-40B4-BE49-F238E27FC236}">
-                <a16:creationId xmlns:a16="http://schemas.microsoft.com/office/drawing/2014/main" id="{A7D86988-68FE-88E8-2BE7-D871B41AADEC}"/>
+                <a16:creationId xmlns:a16="http://schemas.microsoft.com/office/drawing/2014/main" id="{27B8D8BD-D4DF-9F27-6DF2-FA3CF51753DE}"/>
               </a:ext>
             </a:extLst>
           </p:cNvPr>
@@ -1434,7 +1434,7 @@
           <p:cNvPr id="7" name="灯片编号占位符 6">
             <a:extLst>
               <a:ext uri="{FF2B5EF4-FFF2-40B4-BE49-F238E27FC236}">
-                <a16:creationId xmlns:a16="http://schemas.microsoft.com/office/drawing/2014/main" id="{C6E619F5-1F8D-BD72-C71A-46BB96071D8A}"/>
+                <a16:creationId xmlns:a16="http://schemas.microsoft.com/office/drawing/2014/main" id="{0B6F6897-DD6F-0778-FEB9-EEEA02A8C514}"/>
               </a:ext>
             </a:extLst>
           </p:cNvPr>
@@ -1450,7 +1450,7 @@
           <a:bodyPr/>
           <a:lstStyle/>
           <a:p>
-            <a:fld id="{FD04C3A4-5521-4FC9-A05D-3B78DEFF25DE}" type="slidenum">
+            <a:fld id="{81A9DC3E-A837-43D0-AB1B-48BEB846B944}" type="slidenum">
               <a:rPr lang="zh-CN" altLang="en-US" smtClean="0"/>
               <a:t>‹#›</a:t>
             </a:fld>
@@ -1461,7 +1461,7 @@
     </p:spTree>
     <p:extLst>
       <p:ext uri="{BB962C8B-B14F-4D97-AF65-F5344CB8AC3E}">
-        <p14:creationId xmlns:p14="http://schemas.microsoft.com/office/powerpoint/2010/main" val="4120600433"/>
+        <p14:creationId xmlns:p14="http://schemas.microsoft.com/office/powerpoint/2010/main" val="599829721"/>
       </p:ext>
     </p:extLst>
   </p:cSld>
@@ -1493,7 +1493,7 @@
           <p:cNvPr id="2" name="标题 1">
             <a:extLst>
               <a:ext uri="{FF2B5EF4-FFF2-40B4-BE49-F238E27FC236}">
-                <a16:creationId xmlns:a16="http://schemas.microsoft.com/office/drawing/2014/main" id="{28CDEBEC-5DAF-2C6A-8105-5511A4EF27B0}"/>
+                <a16:creationId xmlns:a16="http://schemas.microsoft.com/office/drawing/2014/main" id="{63A1CD00-F761-A463-AC47-56EB68913F8F}"/>
               </a:ext>
             </a:extLst>
           </p:cNvPr>
@@ -1526,7 +1526,7 @@
           <p:cNvPr id="3" name="文本占位符 2">
             <a:extLst>
               <a:ext uri="{FF2B5EF4-FFF2-40B4-BE49-F238E27FC236}">
-                <a16:creationId xmlns:a16="http://schemas.microsoft.com/office/drawing/2014/main" id="{FC35F3E2-E7BD-A2B5-B00D-3E881CAA81BE}"/>
+                <a16:creationId xmlns:a16="http://schemas.microsoft.com/office/drawing/2014/main" id="{A8C5063D-1659-5D38-ACA1-D6CA38758B66}"/>
               </a:ext>
             </a:extLst>
           </p:cNvPr>
@@ -1597,7 +1597,7 @@
           <p:cNvPr id="4" name="内容占位符 3">
             <a:extLst>
               <a:ext uri="{FF2B5EF4-FFF2-40B4-BE49-F238E27FC236}">
-                <a16:creationId xmlns:a16="http://schemas.microsoft.com/office/drawing/2014/main" id="{562A66A3-41C7-4508-6AFA-15841D099C9B}"/>
+                <a16:creationId xmlns:a16="http://schemas.microsoft.com/office/drawing/2014/main" id="{3BA70D42-422E-4E6E-DE2D-DD649E01DD7B}"/>
               </a:ext>
             </a:extLst>
           </p:cNvPr>
@@ -1659,7 +1659,7 @@
           <p:cNvPr id="5" name="文本占位符 4">
             <a:extLst>
               <a:ext uri="{FF2B5EF4-FFF2-40B4-BE49-F238E27FC236}">
-                <a16:creationId xmlns:a16="http://schemas.microsoft.com/office/drawing/2014/main" id="{5EB4AB37-09EF-C8DF-FAEC-697040BF5414}"/>
+                <a16:creationId xmlns:a16="http://schemas.microsoft.com/office/drawing/2014/main" id="{3B02C201-A295-F885-5B42-54330C93ABAF}"/>
               </a:ext>
             </a:extLst>
           </p:cNvPr>
@@ -1730,7 +1730,7 @@
           <p:cNvPr id="6" name="内容占位符 5">
             <a:extLst>
               <a:ext uri="{FF2B5EF4-FFF2-40B4-BE49-F238E27FC236}">
-                <a16:creationId xmlns:a16="http://schemas.microsoft.com/office/drawing/2014/main" id="{FEC90B61-E429-DC19-2E8F-67E162CFD44B}"/>
+                <a16:creationId xmlns:a16="http://schemas.microsoft.com/office/drawing/2014/main" id="{318B4595-3962-D68F-B02C-D2BDD28A8A41}"/>
               </a:ext>
             </a:extLst>
           </p:cNvPr>
@@ -1792,7 +1792,7 @@
           <p:cNvPr id="7" name="日期占位符 6">
             <a:extLst>
               <a:ext uri="{FF2B5EF4-FFF2-40B4-BE49-F238E27FC236}">
-                <a16:creationId xmlns:a16="http://schemas.microsoft.com/office/drawing/2014/main" id="{7010B15D-5219-523C-8BA0-307EA63BED25}"/>
+                <a16:creationId xmlns:a16="http://schemas.microsoft.com/office/drawing/2014/main" id="{C2B6F076-D376-4942-8D33-40C6C73D3ECB}"/>
               </a:ext>
             </a:extLst>
           </p:cNvPr>
@@ -1808,7 +1808,7 @@
           <a:bodyPr/>
           <a:lstStyle/>
           <a:p>
-            <a:fld id="{0BCC0DB2-C224-4E83-B3F6-B17B35648D61}" type="datetimeFigureOut">
+            <a:fld id="{414D7874-CC96-4302-BB04-5544BC08DB68}" type="datetimeFigureOut">
               <a:rPr lang="zh-CN" altLang="en-US" smtClean="0"/>
               <a:t>2024/3/10</a:t>
             </a:fld>
@@ -1821,7 +1821,7 @@
           <p:cNvPr id="8" name="页脚占位符 7">
             <a:extLst>
               <a:ext uri="{FF2B5EF4-FFF2-40B4-BE49-F238E27FC236}">
-                <a16:creationId xmlns:a16="http://schemas.microsoft.com/office/drawing/2014/main" id="{3C18580C-82F0-7DAB-794A-8723F488ADF1}"/>
+                <a16:creationId xmlns:a16="http://schemas.microsoft.com/office/drawing/2014/main" id="{3FD36E12-E2BE-FB1F-74EA-9F33605773F7}"/>
               </a:ext>
             </a:extLst>
           </p:cNvPr>
@@ -1846,7 +1846,7 @@
           <p:cNvPr id="9" name="灯片编号占位符 8">
             <a:extLst>
               <a:ext uri="{FF2B5EF4-FFF2-40B4-BE49-F238E27FC236}">
-                <a16:creationId xmlns:a16="http://schemas.microsoft.com/office/drawing/2014/main" id="{BC35B3C4-6524-C802-B94F-D6485D47F2CD}"/>
+                <a16:creationId xmlns:a16="http://schemas.microsoft.com/office/drawing/2014/main" id="{A707832E-29EA-7502-6E38-00E2D3D3F43C}"/>
               </a:ext>
             </a:extLst>
           </p:cNvPr>
@@ -1862,7 +1862,7 @@
           <a:bodyPr/>
           <a:lstStyle/>
           <a:p>
-            <a:fld id="{FD04C3A4-5521-4FC9-A05D-3B78DEFF25DE}" type="slidenum">
+            <a:fld id="{81A9DC3E-A837-43D0-AB1B-48BEB846B944}" type="slidenum">
               <a:rPr lang="zh-CN" altLang="en-US" smtClean="0"/>
               <a:t>‹#›</a:t>
             </a:fld>
@@ -1873,7 +1873,7 @@
     </p:spTree>
     <p:extLst>
       <p:ext uri="{BB962C8B-B14F-4D97-AF65-F5344CB8AC3E}">
-        <p14:creationId xmlns:p14="http://schemas.microsoft.com/office/powerpoint/2010/main" val="4206477218"/>
+        <p14:creationId xmlns:p14="http://schemas.microsoft.com/office/powerpoint/2010/main" val="1373056254"/>
       </p:ext>
     </p:extLst>
   </p:cSld>
@@ -1905,7 +1905,7 @@
           <p:cNvPr id="2" name="标题 1">
             <a:extLst>
               <a:ext uri="{FF2B5EF4-FFF2-40B4-BE49-F238E27FC236}">
-                <a16:creationId xmlns:a16="http://schemas.microsoft.com/office/drawing/2014/main" id="{DD1DEEE1-EB5F-A26B-8C9C-8C36DA72B86B}"/>
+                <a16:creationId xmlns:a16="http://schemas.microsoft.com/office/drawing/2014/main" id="{C213B44A-2082-E975-8053-1948E95CAD49}"/>
               </a:ext>
             </a:extLst>
           </p:cNvPr>
@@ -1933,7 +1933,7 @@
           <p:cNvPr id="3" name="日期占位符 2">
             <a:extLst>
               <a:ext uri="{FF2B5EF4-FFF2-40B4-BE49-F238E27FC236}">
-                <a16:creationId xmlns:a16="http://schemas.microsoft.com/office/drawing/2014/main" id="{89CA6FE0-3BE6-35B7-EAEB-327976D1BF8D}"/>
+                <a16:creationId xmlns:a16="http://schemas.microsoft.com/office/drawing/2014/main" id="{25C2F71D-EE04-F2B1-9446-210DD43714A1}"/>
               </a:ext>
             </a:extLst>
           </p:cNvPr>
@@ -1949,7 +1949,7 @@
           <a:bodyPr/>
           <a:lstStyle/>
           <a:p>
-            <a:fld id="{0BCC0DB2-C224-4E83-B3F6-B17B35648D61}" type="datetimeFigureOut">
+            <a:fld id="{414D7874-CC96-4302-BB04-5544BC08DB68}" type="datetimeFigureOut">
               <a:rPr lang="zh-CN" altLang="en-US" smtClean="0"/>
               <a:t>2024/3/10</a:t>
             </a:fld>
@@ -1962,7 +1962,7 @@
           <p:cNvPr id="4" name="页脚占位符 3">
             <a:extLst>
               <a:ext uri="{FF2B5EF4-FFF2-40B4-BE49-F238E27FC236}">
-                <a16:creationId xmlns:a16="http://schemas.microsoft.com/office/drawing/2014/main" id="{04D3021B-E46A-01AF-8123-34C652529073}"/>
+                <a16:creationId xmlns:a16="http://schemas.microsoft.com/office/drawing/2014/main" id="{D92D891D-39A2-77CE-1A47-429A703262F4}"/>
               </a:ext>
             </a:extLst>
           </p:cNvPr>
@@ -1987,7 +1987,7 @@
           <p:cNvPr id="5" name="灯片编号占位符 4">
             <a:extLst>
               <a:ext uri="{FF2B5EF4-FFF2-40B4-BE49-F238E27FC236}">
-                <a16:creationId xmlns:a16="http://schemas.microsoft.com/office/drawing/2014/main" id="{B0FD9234-FB4E-09B2-178A-F8236A2DE5A7}"/>
+                <a16:creationId xmlns:a16="http://schemas.microsoft.com/office/drawing/2014/main" id="{6B6640BD-1C1C-7C9D-4A30-F9DD55F550BE}"/>
               </a:ext>
             </a:extLst>
           </p:cNvPr>
@@ -2003,7 +2003,7 @@
           <a:bodyPr/>
           <a:lstStyle/>
           <a:p>
-            <a:fld id="{FD04C3A4-5521-4FC9-A05D-3B78DEFF25DE}" type="slidenum">
+            <a:fld id="{81A9DC3E-A837-43D0-AB1B-48BEB846B944}" type="slidenum">
               <a:rPr lang="zh-CN" altLang="en-US" smtClean="0"/>
               <a:t>‹#›</a:t>
             </a:fld>
@@ -2014,7 +2014,7 @@
     </p:spTree>
     <p:extLst>
       <p:ext uri="{BB962C8B-B14F-4D97-AF65-F5344CB8AC3E}">
-        <p14:creationId xmlns:p14="http://schemas.microsoft.com/office/powerpoint/2010/main" val="3467569643"/>
+        <p14:creationId xmlns:p14="http://schemas.microsoft.com/office/powerpoint/2010/main" val="2306593315"/>
       </p:ext>
     </p:extLst>
   </p:cSld>
@@ -2046,7 +2046,7 @@
           <p:cNvPr id="2" name="日期占位符 1">
             <a:extLst>
               <a:ext uri="{FF2B5EF4-FFF2-40B4-BE49-F238E27FC236}">
-                <a16:creationId xmlns:a16="http://schemas.microsoft.com/office/drawing/2014/main" id="{2C81C2BD-5F7D-DB4E-4033-592297B7F52D}"/>
+                <a16:creationId xmlns:a16="http://schemas.microsoft.com/office/drawing/2014/main" id="{527807ED-360B-05B4-B521-9839DDD8039A}"/>
               </a:ext>
             </a:extLst>
           </p:cNvPr>
@@ -2062,7 +2062,7 @@
           <a:bodyPr/>
           <a:lstStyle/>
           <a:p>
-            <a:fld id="{0BCC0DB2-C224-4E83-B3F6-B17B35648D61}" type="datetimeFigureOut">
+            <a:fld id="{414D7874-CC96-4302-BB04-5544BC08DB68}" type="datetimeFigureOut">
               <a:rPr lang="zh-CN" altLang="en-US" smtClean="0"/>
               <a:t>2024/3/10</a:t>
             </a:fld>
@@ -2075,7 +2075,7 @@
           <p:cNvPr id="3" name="页脚占位符 2">
             <a:extLst>
               <a:ext uri="{FF2B5EF4-FFF2-40B4-BE49-F238E27FC236}">
-                <a16:creationId xmlns:a16="http://schemas.microsoft.com/office/drawing/2014/main" id="{31468899-805F-E9CF-31D9-A03E3D95685E}"/>
+                <a16:creationId xmlns:a16="http://schemas.microsoft.com/office/drawing/2014/main" id="{9CFEF79A-3E88-5D5B-34D2-D00F56844695}"/>
               </a:ext>
             </a:extLst>
           </p:cNvPr>
@@ -2100,7 +2100,7 @@
           <p:cNvPr id="4" name="灯片编号占位符 3">
             <a:extLst>
               <a:ext uri="{FF2B5EF4-FFF2-40B4-BE49-F238E27FC236}">
-                <a16:creationId xmlns:a16="http://schemas.microsoft.com/office/drawing/2014/main" id="{A36A872B-FD1A-3479-DD14-21B59E4D1D8B}"/>
+                <a16:creationId xmlns:a16="http://schemas.microsoft.com/office/drawing/2014/main" id="{BEEBB821-8EFB-2ABE-6304-79D29465F7DC}"/>
               </a:ext>
             </a:extLst>
           </p:cNvPr>
@@ -2116,7 +2116,7 @@
           <a:bodyPr/>
           <a:lstStyle/>
           <a:p>
-            <a:fld id="{FD04C3A4-5521-4FC9-A05D-3B78DEFF25DE}" type="slidenum">
+            <a:fld id="{81A9DC3E-A837-43D0-AB1B-48BEB846B944}" type="slidenum">
               <a:rPr lang="zh-CN" altLang="en-US" smtClean="0"/>
               <a:t>‹#›</a:t>
             </a:fld>
@@ -2127,7 +2127,7 @@
     </p:spTree>
     <p:extLst>
       <p:ext uri="{BB962C8B-B14F-4D97-AF65-F5344CB8AC3E}">
-        <p14:creationId xmlns:p14="http://schemas.microsoft.com/office/powerpoint/2010/main" val="397142713"/>
+        <p14:creationId xmlns:p14="http://schemas.microsoft.com/office/powerpoint/2010/main" val="323834018"/>
       </p:ext>
     </p:extLst>
   </p:cSld>
@@ -2159,7 +2159,7 @@
           <p:cNvPr id="2" name="标题 1">
             <a:extLst>
               <a:ext uri="{FF2B5EF4-FFF2-40B4-BE49-F238E27FC236}">
-                <a16:creationId xmlns:a16="http://schemas.microsoft.com/office/drawing/2014/main" id="{447AEE50-253F-BC23-C0FC-E5DF4B2D7B38}"/>
+                <a16:creationId xmlns:a16="http://schemas.microsoft.com/office/drawing/2014/main" id="{61D1322A-CA1B-705A-9537-297D6584E487}"/>
               </a:ext>
             </a:extLst>
           </p:cNvPr>
@@ -2196,7 +2196,7 @@
           <p:cNvPr id="3" name="内容占位符 2">
             <a:extLst>
               <a:ext uri="{FF2B5EF4-FFF2-40B4-BE49-F238E27FC236}">
-                <a16:creationId xmlns:a16="http://schemas.microsoft.com/office/drawing/2014/main" id="{405BBE4A-C0B5-5CF3-F7AF-EF2C93C5351E}"/>
+                <a16:creationId xmlns:a16="http://schemas.microsoft.com/office/drawing/2014/main" id="{75CC34FD-B3BE-1931-9A28-21E5F2268F83}"/>
               </a:ext>
             </a:extLst>
           </p:cNvPr>
@@ -2286,7 +2286,7 @@
           <p:cNvPr id="4" name="文本占位符 3">
             <a:extLst>
               <a:ext uri="{FF2B5EF4-FFF2-40B4-BE49-F238E27FC236}">
-                <a16:creationId xmlns:a16="http://schemas.microsoft.com/office/drawing/2014/main" id="{3DA52393-1C63-DEAB-40A5-A2A45219BD3C}"/>
+                <a16:creationId xmlns:a16="http://schemas.microsoft.com/office/drawing/2014/main" id="{0AAF4396-1A82-0DC9-8E63-477F49E4E1AF}"/>
               </a:ext>
             </a:extLst>
           </p:cNvPr>
@@ -2357,7 +2357,7 @@
           <p:cNvPr id="5" name="日期占位符 4">
             <a:extLst>
               <a:ext uri="{FF2B5EF4-FFF2-40B4-BE49-F238E27FC236}">
-                <a16:creationId xmlns:a16="http://schemas.microsoft.com/office/drawing/2014/main" id="{30A3398F-84E0-7F0F-3F6E-297A99D35254}"/>
+                <a16:creationId xmlns:a16="http://schemas.microsoft.com/office/drawing/2014/main" id="{232E9B57-62F9-1DEC-A8BE-3A691653F5BA}"/>
               </a:ext>
             </a:extLst>
           </p:cNvPr>
@@ -2373,7 +2373,7 @@
           <a:bodyPr/>
           <a:lstStyle/>
           <a:p>
-            <a:fld id="{0BCC0DB2-C224-4E83-B3F6-B17B35648D61}" type="datetimeFigureOut">
+            <a:fld id="{414D7874-CC96-4302-BB04-5544BC08DB68}" type="datetimeFigureOut">
               <a:rPr lang="zh-CN" altLang="en-US" smtClean="0"/>
               <a:t>2024/3/10</a:t>
             </a:fld>
@@ -2386,7 +2386,7 @@
           <p:cNvPr id="6" name="页脚占位符 5">
             <a:extLst>
               <a:ext uri="{FF2B5EF4-FFF2-40B4-BE49-F238E27FC236}">
-                <a16:creationId xmlns:a16="http://schemas.microsoft.com/office/drawing/2014/main" id="{C6A4E533-2CE9-4699-492C-B3FF594ACB5A}"/>
+                <a16:creationId xmlns:a16="http://schemas.microsoft.com/office/drawing/2014/main" id="{6DF1885C-5E8F-B814-EA19-980D2AF10D8E}"/>
               </a:ext>
             </a:extLst>
           </p:cNvPr>
@@ -2411,7 +2411,7 @@
           <p:cNvPr id="7" name="灯片编号占位符 6">
             <a:extLst>
               <a:ext uri="{FF2B5EF4-FFF2-40B4-BE49-F238E27FC236}">
-                <a16:creationId xmlns:a16="http://schemas.microsoft.com/office/drawing/2014/main" id="{B9B78B13-DB87-96A4-4C7C-2517EDADB390}"/>
+                <a16:creationId xmlns:a16="http://schemas.microsoft.com/office/drawing/2014/main" id="{8DA8C28D-D844-7272-D578-8456C4E5ABD0}"/>
               </a:ext>
             </a:extLst>
           </p:cNvPr>
@@ -2427,7 +2427,7 @@
           <a:bodyPr/>
           <a:lstStyle/>
           <a:p>
-            <a:fld id="{FD04C3A4-5521-4FC9-A05D-3B78DEFF25DE}" type="slidenum">
+            <a:fld id="{81A9DC3E-A837-43D0-AB1B-48BEB846B944}" type="slidenum">
               <a:rPr lang="zh-CN" altLang="en-US" smtClean="0"/>
               <a:t>‹#›</a:t>
             </a:fld>
@@ -2438,7 +2438,7 @@
     </p:spTree>
     <p:extLst>
       <p:ext uri="{BB962C8B-B14F-4D97-AF65-F5344CB8AC3E}">
-        <p14:creationId xmlns:p14="http://schemas.microsoft.com/office/powerpoint/2010/main" val="208592968"/>
+        <p14:creationId xmlns:p14="http://schemas.microsoft.com/office/powerpoint/2010/main" val="2147610422"/>
       </p:ext>
     </p:extLst>
   </p:cSld>
@@ -2470,7 +2470,7 @@
           <p:cNvPr id="2" name="标题 1">
             <a:extLst>
               <a:ext uri="{FF2B5EF4-FFF2-40B4-BE49-F238E27FC236}">
-                <a16:creationId xmlns:a16="http://schemas.microsoft.com/office/drawing/2014/main" id="{AF5F7340-5138-7AA4-2CB2-14185AC59A92}"/>
+                <a16:creationId xmlns:a16="http://schemas.microsoft.com/office/drawing/2014/main" id="{F558557B-1D3D-E85E-8A36-7D23B86AD91A}"/>
               </a:ext>
             </a:extLst>
           </p:cNvPr>
@@ -2507,7 +2507,7 @@
           <p:cNvPr id="3" name="图片占位符 2">
             <a:extLst>
               <a:ext uri="{FF2B5EF4-FFF2-40B4-BE49-F238E27FC236}">
-                <a16:creationId xmlns:a16="http://schemas.microsoft.com/office/drawing/2014/main" id="{50773678-1ED2-D737-5C5F-01FEE3698B83}"/>
+                <a16:creationId xmlns:a16="http://schemas.microsoft.com/office/drawing/2014/main" id="{4516DCC8-CF49-7BCA-EE7A-476AD1383DFC}"/>
               </a:ext>
             </a:extLst>
           </p:cNvPr>
@@ -2574,7 +2574,7 @@
           <p:cNvPr id="4" name="文本占位符 3">
             <a:extLst>
               <a:ext uri="{FF2B5EF4-FFF2-40B4-BE49-F238E27FC236}">
-                <a16:creationId xmlns:a16="http://schemas.microsoft.com/office/drawing/2014/main" id="{672441FE-0CD5-9211-9B14-EE480DB5CA78}"/>
+                <a16:creationId xmlns:a16="http://schemas.microsoft.com/office/drawing/2014/main" id="{9CA3C08C-4833-2F5F-C55A-54B1ACB3DBD5}"/>
               </a:ext>
             </a:extLst>
           </p:cNvPr>
@@ -2645,7 +2645,7 @@
           <p:cNvPr id="5" name="日期占位符 4">
             <a:extLst>
               <a:ext uri="{FF2B5EF4-FFF2-40B4-BE49-F238E27FC236}">
-                <a16:creationId xmlns:a16="http://schemas.microsoft.com/office/drawing/2014/main" id="{0195774C-BF37-351C-D191-84BA82A31D48}"/>
+                <a16:creationId xmlns:a16="http://schemas.microsoft.com/office/drawing/2014/main" id="{4B1CE168-97F3-171E-9C9D-B499E243CA04}"/>
               </a:ext>
             </a:extLst>
           </p:cNvPr>
@@ -2661,7 +2661,7 @@
           <a:bodyPr/>
           <a:lstStyle/>
           <a:p>
-            <a:fld id="{0BCC0DB2-C224-4E83-B3F6-B17B35648D61}" type="datetimeFigureOut">
+            <a:fld id="{414D7874-CC96-4302-BB04-5544BC08DB68}" type="datetimeFigureOut">
               <a:rPr lang="zh-CN" altLang="en-US" smtClean="0"/>
               <a:t>2024/3/10</a:t>
             </a:fld>
@@ -2674,7 +2674,7 @@
           <p:cNvPr id="6" name="页脚占位符 5">
             <a:extLst>
               <a:ext uri="{FF2B5EF4-FFF2-40B4-BE49-F238E27FC236}">
-                <a16:creationId xmlns:a16="http://schemas.microsoft.com/office/drawing/2014/main" id="{71FBBCF2-6ECE-59B8-1129-D126036A2CC3}"/>
+                <a16:creationId xmlns:a16="http://schemas.microsoft.com/office/drawing/2014/main" id="{5D1FD13A-9DC0-0959-4281-F75A9ADCC6C8}"/>
               </a:ext>
             </a:extLst>
           </p:cNvPr>
@@ -2699,7 +2699,7 @@
           <p:cNvPr id="7" name="灯片编号占位符 6">
             <a:extLst>
               <a:ext uri="{FF2B5EF4-FFF2-40B4-BE49-F238E27FC236}">
-                <a16:creationId xmlns:a16="http://schemas.microsoft.com/office/drawing/2014/main" id="{F5066A7B-5A67-BFB7-C580-9635688CC8B8}"/>
+                <a16:creationId xmlns:a16="http://schemas.microsoft.com/office/drawing/2014/main" id="{AA04534C-CCD0-D036-E89F-91352D0BCF68}"/>
               </a:ext>
             </a:extLst>
           </p:cNvPr>
@@ -2715,7 +2715,7 @@
           <a:bodyPr/>
           <a:lstStyle/>
           <a:p>
-            <a:fld id="{FD04C3A4-5521-4FC9-A05D-3B78DEFF25DE}" type="slidenum">
+            <a:fld id="{81A9DC3E-A837-43D0-AB1B-48BEB846B944}" type="slidenum">
               <a:rPr lang="zh-CN" altLang="en-US" smtClean="0"/>
               <a:t>‹#›</a:t>
             </a:fld>
@@ -2726,7 +2726,7 @@
     </p:spTree>
     <p:extLst>
       <p:ext uri="{BB962C8B-B14F-4D97-AF65-F5344CB8AC3E}">
-        <p14:creationId xmlns:p14="http://schemas.microsoft.com/office/powerpoint/2010/main" val="658252652"/>
+        <p14:creationId xmlns:p14="http://schemas.microsoft.com/office/powerpoint/2010/main" val="2048194772"/>
       </p:ext>
     </p:extLst>
   </p:cSld>
@@ -2763,7 +2763,7 @@
           <p:cNvPr id="2" name="标题占位符 1">
             <a:extLst>
               <a:ext uri="{FF2B5EF4-FFF2-40B4-BE49-F238E27FC236}">
-                <a16:creationId xmlns:a16="http://schemas.microsoft.com/office/drawing/2014/main" id="{30E6069C-2712-78BD-C779-8F780138F98D}"/>
+                <a16:creationId xmlns:a16="http://schemas.microsoft.com/office/drawing/2014/main" id="{CEAD27B9-33B7-50DD-0B58-F8A6ABC4C48F}"/>
               </a:ext>
             </a:extLst>
           </p:cNvPr>
@@ -2801,7 +2801,7 @@
           <p:cNvPr id="3" name="文本占位符 2">
             <a:extLst>
               <a:ext uri="{FF2B5EF4-FFF2-40B4-BE49-F238E27FC236}">
-                <a16:creationId xmlns:a16="http://schemas.microsoft.com/office/drawing/2014/main" id="{54F54409-D217-1480-707A-0B3E156877F7}"/>
+                <a16:creationId xmlns:a16="http://schemas.microsoft.com/office/drawing/2014/main" id="{9A2CE94D-2032-53F3-944A-BB675C9B5060}"/>
               </a:ext>
             </a:extLst>
           </p:cNvPr>
@@ -2868,7 +2868,7 @@
           <p:cNvPr id="4" name="日期占位符 3">
             <a:extLst>
               <a:ext uri="{FF2B5EF4-FFF2-40B4-BE49-F238E27FC236}">
-                <a16:creationId xmlns:a16="http://schemas.microsoft.com/office/drawing/2014/main" id="{FD3F0D00-B474-5037-7ED0-6F681C8FAFFB}"/>
+                <a16:creationId xmlns:a16="http://schemas.microsoft.com/office/drawing/2014/main" id="{AA28B70E-F95B-A607-45F3-C19C7B9C3AAA}"/>
               </a:ext>
             </a:extLst>
           </p:cNvPr>
@@ -2902,7 +2902,7 @@
             </a:lvl1pPr>
           </a:lstStyle>
           <a:p>
-            <a:fld id="{0BCC0DB2-C224-4E83-B3F6-B17B35648D61}" type="datetimeFigureOut">
+            <a:fld id="{414D7874-CC96-4302-BB04-5544BC08DB68}" type="datetimeFigureOut">
               <a:rPr lang="zh-CN" altLang="en-US" smtClean="0"/>
               <a:t>2024/3/10</a:t>
             </a:fld>
@@ -2915,7 +2915,7 @@
           <p:cNvPr id="5" name="页脚占位符 4">
             <a:extLst>
               <a:ext uri="{FF2B5EF4-FFF2-40B4-BE49-F238E27FC236}">
-                <a16:creationId xmlns:a16="http://schemas.microsoft.com/office/drawing/2014/main" id="{8AEF344C-95D3-72FC-8F40-6F3C5BB5A73D}"/>
+                <a16:creationId xmlns:a16="http://schemas.microsoft.com/office/drawing/2014/main" id="{D674F0EA-CE96-A2B9-F8ED-B3383AE8CF6C}"/>
               </a:ext>
             </a:extLst>
           </p:cNvPr>
@@ -2958,7 +2958,7 @@
           <p:cNvPr id="6" name="灯片编号占位符 5">
             <a:extLst>
               <a:ext uri="{FF2B5EF4-FFF2-40B4-BE49-F238E27FC236}">
-                <a16:creationId xmlns:a16="http://schemas.microsoft.com/office/drawing/2014/main" id="{957FEB09-A3A5-50EE-4F9C-A9229499504B}"/>
+                <a16:creationId xmlns:a16="http://schemas.microsoft.com/office/drawing/2014/main" id="{99A012A7-CF83-BD83-D468-421945E81255}"/>
               </a:ext>
             </a:extLst>
           </p:cNvPr>
@@ -2992,7 +2992,7 @@
             </a:lvl1pPr>
           </a:lstStyle>
           <a:p>
-            <a:fld id="{FD04C3A4-5521-4FC9-A05D-3B78DEFF25DE}" type="slidenum">
+            <a:fld id="{81A9DC3E-A837-43D0-AB1B-48BEB846B944}" type="slidenum">
               <a:rPr lang="zh-CN" altLang="en-US" smtClean="0"/>
               <a:t>‹#›</a:t>
             </a:fld>
@@ -3003,7 +3003,7 @@
     </p:spTree>
     <p:extLst>
       <p:ext uri="{BB962C8B-B14F-4D97-AF65-F5344CB8AC3E}">
-        <p14:creationId xmlns:p14="http://schemas.microsoft.com/office/powerpoint/2010/main" val="2682271983"/>
+        <p14:creationId xmlns:p14="http://schemas.microsoft.com/office/powerpoint/2010/main" val="3566474601"/>
       </p:ext>
     </p:extLst>
   </p:cSld>
@@ -3323,7 +3323,7 @@
       </p:grpSpPr>
       <p:pic>
         <p:nvPicPr>
-          <p:cNvPr id="152578" name="Picture 2" descr="148"/>
+          <p:cNvPr id="153602" name="Picture 2" descr="149"/>
           <p:cNvPicPr>
             <a:picLocks noChangeAspect="1" noChangeArrowheads="1"/>
           </p:cNvPicPr>
@@ -3344,8 +3344,8 @@
         </p:blipFill>
         <p:spPr bwMode="auto">
           <a:xfrm>
-            <a:off x="1524000" y="0"/>
-            <a:ext cx="9144000" cy="6858000"/>
+            <a:off x="1524000" y="1"/>
+            <a:ext cx="9144000" cy="4005263"/>
           </a:xfrm>
           <a:prstGeom prst="rect">
             <a:avLst/>
@@ -3375,158 +3375,11 @@
           </a:extLst>
         </p:spPr>
       </p:pic>
-      <p:pic>
-        <p:nvPicPr>
-          <p:cNvPr id="153603" name="Picture 3" descr="148-2"/>
-          <p:cNvPicPr>
-            <a:picLocks noChangeAspect="1" noChangeArrowheads="1"/>
-          </p:cNvPicPr>
-          <p:nvPr/>
-        </p:nvPicPr>
-        <p:blipFill>
-          <a:blip r:embed="rId3">
-            <a:extLst>
-              <a:ext uri="{28A0092B-C50C-407E-A947-70E740481C1C}">
-                <a14:useLocalDpi xmlns:a14="http://schemas.microsoft.com/office/drawing/2010/main" val="0"/>
-              </a:ext>
-            </a:extLst>
-          </a:blip>
-          <a:srcRect/>
-          <a:stretch>
-            <a:fillRect/>
-          </a:stretch>
-        </p:blipFill>
-        <p:spPr bwMode="auto">
-          <a:xfrm>
-            <a:off x="1524000" y="0"/>
-            <a:ext cx="9144000" cy="6858000"/>
-          </a:xfrm>
-          <a:prstGeom prst="rect">
-            <a:avLst/>
-          </a:prstGeom>
-          <a:noFill/>
-          <a:ln>
-            <a:noFill/>
-          </a:ln>
-          <a:effectLst/>
-          <a:extLst>
-            <a:ext uri="{909E8E84-426E-40DD-AFC4-6F175D3DCCD1}">
-              <a14:hiddenFill xmlns:a14="http://schemas.microsoft.com/office/drawing/2010/main">
-                <a:solidFill>
-                  <a:srgbClr val="FFFFFF"/>
-                </a:solidFill>
-              </a14:hiddenFill>
-            </a:ext>
-            <a:ext uri="{91240B29-F687-4F45-9708-019B960494DF}">
-              <a14:hiddenLine xmlns:a14="http://schemas.microsoft.com/office/drawing/2010/main" w="9525">
-                <a:solidFill>
-                  <a:srgbClr val="000000"/>
-                </a:solidFill>
-                <a:miter lim="800000"/>
-                <a:headEnd/>
-                <a:tailEnd/>
-              </a14:hiddenLine>
-            </a:ext>
-            <a:ext uri="{AF507438-7753-43E0-B8FC-AC1667EBCBE1}">
-              <a14:hiddenEffects xmlns:a14="http://schemas.microsoft.com/office/drawing/2010/main">
-                <a:effectLst>
-                  <a:outerShdw dist="35921" dir="2700000" algn="ctr" rotWithShape="0">
-                    <a:srgbClr val="808080"/>
-                  </a:outerShdw>
-                </a:effectLst>
-              </a14:hiddenEffects>
-            </a:ext>
-          </a:extLst>
-        </p:spPr>
-      </p:pic>
     </p:spTree>
   </p:cSld>
   <p:clrMapOvr>
     <a:masterClrMapping/>
   </p:clrMapOvr>
-  <p:timing>
-    <p:tnLst>
-      <p:par>
-        <p:cTn id="1" dur="indefinite" restart="never" nodeType="tmRoot">
-          <p:childTnLst>
-            <p:seq concurrent="1" nextAc="seek">
-              <p:cTn id="2" dur="indefinite" nodeType="mainSeq">
-                <p:childTnLst>
-                  <p:par>
-                    <p:cTn id="3" fill="hold" nodeType="clickPar">
-                      <p:stCondLst>
-                        <p:cond delay="indefinite"/>
-                      </p:stCondLst>
-                      <p:childTnLst>
-                        <p:par>
-                          <p:cTn id="4" fill="hold" nodeType="withGroup">
-                            <p:stCondLst>
-                              <p:cond delay="0"/>
-                            </p:stCondLst>
-                            <p:childTnLst>
-                              <p:par>
-                                <p:cTn id="5" presetID="10" presetClass="entr" presetSubtype="0" fill="hold" nodeType="clickEffect">
-                                  <p:stCondLst>
-                                    <p:cond delay="0"/>
-                                  </p:stCondLst>
-                                  <p:childTnLst>
-                                    <p:set>
-                                      <p:cBhvr>
-                                        <p:cTn id="6" dur="1" fill="hold">
-                                          <p:stCondLst>
-                                            <p:cond delay="0"/>
-                                          </p:stCondLst>
-                                        </p:cTn>
-                                        <p:tgtEl>
-                                          <p:spTgt spid="153603"/>
-                                        </p:tgtEl>
-                                        <p:attrNameLst>
-                                          <p:attrName>style.visibility</p:attrName>
-                                        </p:attrNameLst>
-                                      </p:cBhvr>
-                                      <p:to>
-                                        <p:strVal val="visible"/>
-                                      </p:to>
-                                    </p:set>
-                                    <p:animEffect transition="in" filter="fade">
-                                      <p:cBhvr>
-                                        <p:cTn id="7" dur="500"/>
-                                        <p:tgtEl>
-                                          <p:spTgt spid="153603"/>
-                                        </p:tgtEl>
-                                      </p:cBhvr>
-                                    </p:animEffect>
-                                  </p:childTnLst>
-                                </p:cTn>
-                              </p:par>
-                            </p:childTnLst>
-                          </p:cTn>
-                        </p:par>
-                      </p:childTnLst>
-                    </p:cTn>
-                  </p:par>
-                </p:childTnLst>
-              </p:cTn>
-              <p:prevCondLst>
-                <p:cond evt="onPrev" delay="0">
-                  <p:tgtEl>
-                    <p:sldTgt/>
-                  </p:tgtEl>
-                </p:cond>
-              </p:prevCondLst>
-              <p:nextCondLst>
-                <p:cond evt="onNext" delay="0">
-                  <p:tgtEl>
-                    <p:sldTgt/>
-                  </p:tgtEl>
-                </p:cond>
-              </p:nextCondLst>
-            </p:seq>
-          </p:childTnLst>
-        </p:cTn>
-      </p:par>
-    </p:tnLst>
-  </p:timing>
 </p:sld>
 </file>
 
